--- a/docs/tese/apresentacao.pptx
+++ b/docs/tese/apresentacao.pptx
@@ -108,6 +108,11 @@
       </a:defRPr>
     </a:lvl9pPr>
   </p:defaultTextStyle>
+  <p:extLst>
+    <p:ext uri="{EFAFB233-063F-42B5-8137-9DF3F51BA10A}">
+      <p15:sldGuideLst xmlns:p15="http://schemas.microsoft.com/office/powerpoint/2012/main"/>
+    </p:ext>
+  </p:extLst>
 </p:presentation>
 </file>
 
@@ -337,7 +342,7 @@
           <a:p>
             <a:fld id="{A2714C8D-69AE-4249-92D9-DE8812F78B95}" type="datetimeFigureOut">
               <a:rPr lang="pt-PT" smtClean="0"/>
-              <a:t>25/09/2023</a:t>
+              <a:t>26/09/2023</a:t>
             </a:fld>
             <a:endParaRPr lang="pt-PT"/>
           </a:p>
@@ -545,7 +550,7 @@
           <a:p>
             <a:fld id="{A2714C8D-69AE-4249-92D9-DE8812F78B95}" type="datetimeFigureOut">
               <a:rPr lang="pt-PT" smtClean="0"/>
-              <a:t>25/09/2023</a:t>
+              <a:t>26/09/2023</a:t>
             </a:fld>
             <a:endParaRPr lang="pt-PT"/>
           </a:p>
@@ -801,7 +806,7 @@
           <a:p>
             <a:fld id="{A2714C8D-69AE-4249-92D9-DE8812F78B95}" type="datetimeFigureOut">
               <a:rPr lang="pt-PT" smtClean="0"/>
-              <a:t>25/09/2023</a:t>
+              <a:t>26/09/2023</a:t>
             </a:fld>
             <a:endParaRPr lang="pt-PT"/>
           </a:p>
@@ -975,7 +980,7 @@
           <a:p>
             <a:fld id="{A2714C8D-69AE-4249-92D9-DE8812F78B95}" type="datetimeFigureOut">
               <a:rPr lang="pt-PT" smtClean="0"/>
-              <a:t>25/09/2023</a:t>
+              <a:t>26/09/2023</a:t>
             </a:fld>
             <a:endParaRPr lang="pt-PT"/>
           </a:p>
@@ -1318,7 +1323,7 @@
           <a:p>
             <a:fld id="{A2714C8D-69AE-4249-92D9-DE8812F78B95}" type="datetimeFigureOut">
               <a:rPr lang="pt-PT" smtClean="0"/>
-              <a:t>25/09/2023</a:t>
+              <a:t>26/09/2023</a:t>
             </a:fld>
             <a:endParaRPr lang="pt-PT"/>
           </a:p>
@@ -1593,7 +1598,7 @@
           <a:p>
             <a:fld id="{A2714C8D-69AE-4249-92D9-DE8812F78B95}" type="datetimeFigureOut">
               <a:rPr lang="pt-PT" smtClean="0"/>
-              <a:t>25/09/2023</a:t>
+              <a:t>26/09/2023</a:t>
             </a:fld>
             <a:endParaRPr lang="pt-PT"/>
           </a:p>
@@ -1972,7 +1977,7 @@
           <a:p>
             <a:fld id="{A2714C8D-69AE-4249-92D9-DE8812F78B95}" type="datetimeFigureOut">
               <a:rPr lang="pt-PT" smtClean="0"/>
-              <a:t>25/09/2023</a:t>
+              <a:t>26/09/2023</a:t>
             </a:fld>
             <a:endParaRPr lang="pt-PT"/>
           </a:p>
@@ -2090,7 +2095,7 @@
           <a:p>
             <a:fld id="{A2714C8D-69AE-4249-92D9-DE8812F78B95}" type="datetimeFigureOut">
               <a:rPr lang="pt-PT" smtClean="0"/>
-              <a:t>25/09/2023</a:t>
+              <a:t>26/09/2023</a:t>
             </a:fld>
             <a:endParaRPr lang="pt-PT"/>
           </a:p>
@@ -2261,7 +2266,7 @@
           <a:p>
             <a:fld id="{A2714C8D-69AE-4249-92D9-DE8812F78B95}" type="datetimeFigureOut">
               <a:rPr lang="pt-PT" smtClean="0"/>
-              <a:t>25/09/2023</a:t>
+              <a:t>26/09/2023</a:t>
             </a:fld>
             <a:endParaRPr lang="pt-PT"/>
           </a:p>
@@ -2615,7 +2620,7 @@
           <a:p>
             <a:fld id="{A2714C8D-69AE-4249-92D9-DE8812F78B95}" type="datetimeFigureOut">
               <a:rPr lang="pt-PT" smtClean="0"/>
-              <a:t>25/09/2023</a:t>
+              <a:t>26/09/2023</a:t>
             </a:fld>
             <a:endParaRPr lang="pt-PT"/>
           </a:p>
@@ -2997,7 +3002,7 @@
           <a:p>
             <a:fld id="{A2714C8D-69AE-4249-92D9-DE8812F78B95}" type="datetimeFigureOut">
               <a:rPr lang="pt-PT" smtClean="0"/>
-              <a:t>25/09/2023</a:t>
+              <a:t>26/09/2023</a:t>
             </a:fld>
             <a:endParaRPr lang="pt-PT"/>
           </a:p>
@@ -3284,7 +3289,7 @@
           <a:p>
             <a:fld id="{A2714C8D-69AE-4249-92D9-DE8812F78B95}" type="datetimeFigureOut">
               <a:rPr lang="pt-PT" smtClean="0"/>
-              <a:t>25/09/2023</a:t>
+              <a:t>26/09/2023</a:t>
             </a:fld>
             <a:endParaRPr lang="pt-PT"/>
           </a:p>
@@ -3954,7 +3959,68 @@
           <a:bodyPr/>
           <a:lstStyle/>
           <a:p>
-            <a:endParaRPr lang="pt-PT"/>
+            <a:r>
+              <a:rPr lang="pt-PT" dirty="0"/>
+              <a:t>Resultados de OCR não satisfatórios em documentos antigos devido a:</a:t>
+            </a:r>
+          </a:p>
+          <a:p>
+            <a:pPr>
+              <a:buFont typeface="Arial" panose="020B0604020202020204" pitchFamily="34" charset="0"/>
+              <a:buChar char="•"/>
+            </a:pPr>
+            <a:r>
+              <a:rPr lang="pt-PT" dirty="0"/>
+              <a:t> Envelhecimento físico causado pelo tempo</a:t>
+            </a:r>
+          </a:p>
+          <a:p>
+            <a:pPr>
+              <a:buFont typeface="Arial" panose="020B0604020202020204" pitchFamily="34" charset="0"/>
+              <a:buChar char="•"/>
+            </a:pPr>
+            <a:r>
+              <a:rPr lang="pt-PT" dirty="0"/>
+              <a:t> Problemas da digitalização (resolução, </a:t>
+            </a:r>
+            <a:r>
+              <a:rPr lang="pt-PT" dirty="0" err="1"/>
+              <a:t>dpi</a:t>
+            </a:r>
+            <a:r>
+              <a:rPr lang="pt-PT" dirty="0"/>
+              <a:t>, orientação)</a:t>
+            </a:r>
+          </a:p>
+          <a:p>
+            <a:pPr>
+              <a:buFont typeface="Arial" panose="020B0604020202020204" pitchFamily="34" charset="0"/>
+              <a:buChar char="•"/>
+            </a:pPr>
+            <a:r>
+              <a:rPr lang="pt-PT" dirty="0"/>
+              <a:t> Problemas de imagem (coloração, ruído/sujidade, danos no documento)</a:t>
+            </a:r>
+          </a:p>
+          <a:p>
+            <a:pPr>
+              <a:buFont typeface="Arial" panose="020B0604020202020204" pitchFamily="34" charset="0"/>
+              <a:buChar char="•"/>
+            </a:pPr>
+            <a:r>
+              <a:rPr lang="pt-PT" dirty="0"/>
+              <a:t> Linguagem desatualizada não reconhecida pelos motores de OCR</a:t>
+            </a:r>
+          </a:p>
+          <a:p>
+            <a:pPr>
+              <a:buFont typeface="Arial" panose="020B0604020202020204" pitchFamily="34" charset="0"/>
+              <a:buChar char="•"/>
+            </a:pPr>
+            <a:r>
+              <a:rPr lang="pt-PT" dirty="0"/>
+              <a:t> Estruturas complexas e inconsistências no texto (alinhamento do texto, carateres)</a:t>
+            </a:r>
           </a:p>
         </p:txBody>
       </p:sp>
@@ -4037,7 +4103,60 @@
           <a:bodyPr/>
           <a:lstStyle/>
           <a:p>
-            <a:endParaRPr lang="pt-PT"/>
+            <a:pPr>
+              <a:buFont typeface="Arial" panose="020B0604020202020204" pitchFamily="34" charset="0"/>
+              <a:buChar char="•"/>
+            </a:pPr>
+            <a:r>
+              <a:rPr lang="pt-PT" dirty="0"/>
+              <a:t> </a:t>
+            </a:r>
+            <a:r>
+              <a:rPr lang="pt-PT" dirty="0" err="1"/>
+              <a:t>Toolkit</a:t>
+            </a:r>
+            <a:r>
+              <a:rPr lang="pt-PT" dirty="0"/>
+              <a:t> de ferramentas independentes úteis para OCR e para a ferramenta final (ex.: limpeza de caixas do </a:t>
+            </a:r>
+            <a:r>
+              <a:rPr lang="pt-PT" dirty="0" err="1"/>
+              <a:t>tesseract</a:t>
+            </a:r>
+            <a:r>
+              <a:rPr lang="pt-PT" dirty="0"/>
+              <a:t>, análise de característica do texto como tamanho de letra, extração do texto tentando manter a formatação original, etc.)</a:t>
+            </a:r>
+          </a:p>
+          <a:p>
+            <a:pPr>
+              <a:buFont typeface="Arial" panose="020B0604020202020204" pitchFamily="34" charset="0"/>
+              <a:buChar char="•"/>
+            </a:pPr>
+            <a:r>
+              <a:rPr lang="pt-PT" dirty="0"/>
+              <a:t> Ferramenta que permita ou sugira a execução de um pipeline de ferramentas para uma extração de informação dos documentos mais satisfatório do que a inicialmente verificada. Este pipeline poderá envolver desde limpeza da deteção OCR, a melhoria de imagem, correção ortográfica de texto, deteção de estrutura do documento para a manter no resultado final, etc.</a:t>
+            </a:r>
+          </a:p>
+          <a:p>
+            <a:pPr>
+              <a:buFont typeface="Arial" panose="020B0604020202020204" pitchFamily="34" charset="0"/>
+              <a:buChar char="•"/>
+            </a:pPr>
+            <a:r>
+              <a:rPr lang="pt-PT" dirty="0"/>
+              <a:t> Criação de métricas de verificação e validação dos resultados de OCR</a:t>
+            </a:r>
+          </a:p>
+          <a:p>
+            <a:pPr>
+              <a:buFont typeface="Arial" panose="020B0604020202020204" pitchFamily="34" charset="0"/>
+              <a:buChar char="•"/>
+            </a:pPr>
+            <a:r>
+              <a:rPr lang="pt-PT" dirty="0"/>
+              <a:t> Criação de dicionários apropriados à época para ir de encontro com o problema da linguagem desatualizada</a:t>
+            </a:r>
           </a:p>
         </p:txBody>
       </p:sp>
@@ -4120,7 +4239,40 @@
           <a:bodyPr/>
           <a:lstStyle/>
           <a:p>
-            <a:endParaRPr lang="pt-PT"/>
+            <a:r>
+              <a:rPr lang="pt-PT" dirty="0"/>
+              <a:t>Estudo de ferramentas como </a:t>
+            </a:r>
+            <a:r>
+              <a:rPr lang="pt-PT" dirty="0" err="1"/>
+              <a:t>tesseract</a:t>
+            </a:r>
+            <a:r>
+              <a:rPr lang="pt-PT" dirty="0"/>
+              <a:t>, </a:t>
+            </a:r>
+            <a:r>
+              <a:rPr lang="pt-PT" dirty="0" err="1"/>
+              <a:t>paddle</a:t>
+            </a:r>
+            <a:r>
+              <a:rPr lang="pt-PT" dirty="0"/>
+              <a:t> </a:t>
+            </a:r>
+            <a:r>
+              <a:rPr lang="pt-PT" dirty="0" err="1"/>
+              <a:t>ocr</a:t>
+            </a:r>
+            <a:r>
+              <a:rPr lang="pt-PT" dirty="0"/>
+              <a:t>, etc.</a:t>
+            </a:r>
+          </a:p>
+          <a:p>
+            <a:r>
+              <a:rPr lang="pt-PT" dirty="0"/>
+              <a:t>Criação de casos de estudo para entender potencial das ferramentas e problemas que elas defrontam quando usadas neste tipo de documentos.</a:t>
+            </a:r>
           </a:p>
         </p:txBody>
       </p:sp>

--- a/docs/tese/apresentacao.pptx
+++ b/docs/tese/apresentacao.pptx
@@ -342,7 +342,7 @@
           <a:p>
             <a:fld id="{A2714C8D-69AE-4249-92D9-DE8812F78B95}" type="datetimeFigureOut">
               <a:rPr lang="pt-PT" smtClean="0"/>
-              <a:t>26/09/2023</a:t>
+              <a:t>28/11/2023</a:t>
             </a:fld>
             <a:endParaRPr lang="pt-PT"/>
           </a:p>
@@ -550,7 +550,7 @@
           <a:p>
             <a:fld id="{A2714C8D-69AE-4249-92D9-DE8812F78B95}" type="datetimeFigureOut">
               <a:rPr lang="pt-PT" smtClean="0"/>
-              <a:t>26/09/2023</a:t>
+              <a:t>28/11/2023</a:t>
             </a:fld>
             <a:endParaRPr lang="pt-PT"/>
           </a:p>
@@ -806,7 +806,7 @@
           <a:p>
             <a:fld id="{A2714C8D-69AE-4249-92D9-DE8812F78B95}" type="datetimeFigureOut">
               <a:rPr lang="pt-PT" smtClean="0"/>
-              <a:t>26/09/2023</a:t>
+              <a:t>28/11/2023</a:t>
             </a:fld>
             <a:endParaRPr lang="pt-PT"/>
           </a:p>
@@ -980,7 +980,7 @@
           <a:p>
             <a:fld id="{A2714C8D-69AE-4249-92D9-DE8812F78B95}" type="datetimeFigureOut">
               <a:rPr lang="pt-PT" smtClean="0"/>
-              <a:t>26/09/2023</a:t>
+              <a:t>28/11/2023</a:t>
             </a:fld>
             <a:endParaRPr lang="pt-PT"/>
           </a:p>
@@ -1323,7 +1323,7 @@
           <a:p>
             <a:fld id="{A2714C8D-69AE-4249-92D9-DE8812F78B95}" type="datetimeFigureOut">
               <a:rPr lang="pt-PT" smtClean="0"/>
-              <a:t>26/09/2023</a:t>
+              <a:t>28/11/2023</a:t>
             </a:fld>
             <a:endParaRPr lang="pt-PT"/>
           </a:p>
@@ -1598,7 +1598,7 @@
           <a:p>
             <a:fld id="{A2714C8D-69AE-4249-92D9-DE8812F78B95}" type="datetimeFigureOut">
               <a:rPr lang="pt-PT" smtClean="0"/>
-              <a:t>26/09/2023</a:t>
+              <a:t>28/11/2023</a:t>
             </a:fld>
             <a:endParaRPr lang="pt-PT"/>
           </a:p>
@@ -1977,7 +1977,7 @@
           <a:p>
             <a:fld id="{A2714C8D-69AE-4249-92D9-DE8812F78B95}" type="datetimeFigureOut">
               <a:rPr lang="pt-PT" smtClean="0"/>
-              <a:t>26/09/2023</a:t>
+              <a:t>28/11/2023</a:t>
             </a:fld>
             <a:endParaRPr lang="pt-PT"/>
           </a:p>
@@ -2095,7 +2095,7 @@
           <a:p>
             <a:fld id="{A2714C8D-69AE-4249-92D9-DE8812F78B95}" type="datetimeFigureOut">
               <a:rPr lang="pt-PT" smtClean="0"/>
-              <a:t>26/09/2023</a:t>
+              <a:t>28/11/2023</a:t>
             </a:fld>
             <a:endParaRPr lang="pt-PT"/>
           </a:p>
@@ -2266,7 +2266,7 @@
           <a:p>
             <a:fld id="{A2714C8D-69AE-4249-92D9-DE8812F78B95}" type="datetimeFigureOut">
               <a:rPr lang="pt-PT" smtClean="0"/>
-              <a:t>26/09/2023</a:t>
+              <a:t>28/11/2023</a:t>
             </a:fld>
             <a:endParaRPr lang="pt-PT"/>
           </a:p>
@@ -2620,7 +2620,7 @@
           <a:p>
             <a:fld id="{A2714C8D-69AE-4249-92D9-DE8812F78B95}" type="datetimeFigureOut">
               <a:rPr lang="pt-PT" smtClean="0"/>
-              <a:t>26/09/2023</a:t>
+              <a:t>28/11/2023</a:t>
             </a:fld>
             <a:endParaRPr lang="pt-PT"/>
           </a:p>
@@ -3002,7 +3002,7 @@
           <a:p>
             <a:fld id="{A2714C8D-69AE-4249-92D9-DE8812F78B95}" type="datetimeFigureOut">
               <a:rPr lang="pt-PT" smtClean="0"/>
-              <a:t>26/09/2023</a:t>
+              <a:t>28/11/2023</a:t>
             </a:fld>
             <a:endParaRPr lang="pt-PT"/>
           </a:p>
@@ -3289,7 +3289,7 @@
           <a:p>
             <a:fld id="{A2714C8D-69AE-4249-92D9-DE8812F78B95}" type="datetimeFigureOut">
               <a:rPr lang="pt-PT" smtClean="0"/>
-              <a:t>26/09/2023</a:t>
+              <a:t>28/11/2023</a:t>
             </a:fld>
             <a:endParaRPr lang="pt-PT"/>
           </a:p>
@@ -4022,6 +4022,26 @@
               <a:t> Estruturas complexas e inconsistências no texto (alinhamento do texto, carateres)</a:t>
             </a:r>
           </a:p>
+          <a:p>
+            <a:pPr lvl="1">
+              <a:buFont typeface="Arial" panose="020B0604020202020204" pitchFamily="34" charset="0"/>
+              <a:buChar char="•"/>
+            </a:pPr>
+            <a:r>
+              <a:rPr lang="pt-PT" dirty="0"/>
+              <a:t>Segmentação dos documentos</a:t>
+            </a:r>
+          </a:p>
+          <a:p>
+            <a:pPr lvl="1">
+              <a:buFont typeface="Arial" panose="020B0604020202020204" pitchFamily="34" charset="0"/>
+              <a:buChar char="•"/>
+            </a:pPr>
+            <a:r>
+              <a:rPr lang="pt-PT" dirty="0"/>
+              <a:t>Cálculo da ordem de leitura</a:t>
+            </a:r>
+          </a:p>
         </p:txBody>
       </p:sp>
     </p:spTree>
@@ -4234,9 +4254,16 @@
             <p:ph idx="1"/>
           </p:nvPr>
         </p:nvSpPr>
-        <p:spPr/>
-        <p:txBody>
-          <a:bodyPr/>
+        <p:spPr>
+          <a:xfrm>
+            <a:off x="1097280" y="1845734"/>
+            <a:ext cx="10058400" cy="4399946"/>
+          </a:xfrm>
+        </p:spPr>
+        <p:txBody>
+          <a:bodyPr>
+            <a:normAutofit fontScale="85000" lnSpcReduction="20000"/>
+          </a:bodyPr>
           <a:lstStyle/>
           <a:p>
             <a:r>
@@ -4272,6 +4299,190 @@
             <a:r>
               <a:rPr lang="pt-PT" dirty="0"/>
               <a:t>Criação de casos de estudo para entender potencial das ferramentas e problemas que elas defrontam quando usadas neste tipo de documentos.</a:t>
+            </a:r>
+          </a:p>
+          <a:p>
+            <a:pPr>
+              <a:buFont typeface="Arial" panose="020B0604020202020204" pitchFamily="34" charset="0"/>
+              <a:buChar char="•"/>
+            </a:pPr>
+            <a:r>
+              <a:rPr lang="pt-PT" dirty="0"/>
+              <a:t>Segmentação de jornal</a:t>
+            </a:r>
+          </a:p>
+          <a:p>
+            <a:pPr lvl="1">
+              <a:buFont typeface="Arial" panose="020B0604020202020204" pitchFamily="34" charset="0"/>
+              <a:buChar char="•"/>
+            </a:pPr>
+            <a:r>
+              <a:rPr lang="pt-PT" dirty="0"/>
+              <a:t>Principalmente através do uso de </a:t>
+            </a:r>
+            <a:r>
+              <a:rPr lang="pt-PT" dirty="0" err="1"/>
+              <a:t>Machine</a:t>
+            </a:r>
+            <a:r>
+              <a:rPr lang="pt-PT" dirty="0"/>
+              <a:t> </a:t>
+            </a:r>
+            <a:r>
+              <a:rPr lang="pt-PT" dirty="0" err="1"/>
+              <a:t>Learning</a:t>
+            </a:r>
+            <a:r>
+              <a:rPr lang="pt-PT" dirty="0"/>
+              <a:t> + tratamento de imagem para criar delimitadores usando os espaços vazios + contexto de artigos (deteção de título, imagem, bloco de texto)</a:t>
+            </a:r>
+          </a:p>
+          <a:p>
+            <a:pPr lvl="1">
+              <a:buFont typeface="Arial" panose="020B0604020202020204" pitchFamily="34" charset="0"/>
+              <a:buChar char="•"/>
+            </a:pPr>
+            <a:r>
+              <a:rPr lang="pt-PT" dirty="0"/>
+              <a:t>Análise das características do texto</a:t>
+            </a:r>
+          </a:p>
+          <a:p>
+            <a:pPr lvl="2">
+              <a:buFont typeface="Arial" panose="020B0604020202020204" pitchFamily="34" charset="0"/>
+              <a:buChar char="•"/>
+            </a:pPr>
+            <a:r>
+              <a:rPr lang="pt-PT" dirty="0"/>
+              <a:t>Tamanho normal de texto</a:t>
+            </a:r>
+          </a:p>
+          <a:p>
+            <a:pPr lvl="2">
+              <a:buFont typeface="Arial" panose="020B0604020202020204" pitchFamily="34" charset="0"/>
+              <a:buChar char="•"/>
+            </a:pPr>
+            <a:r>
+              <a:rPr lang="pt-PT" dirty="0"/>
+              <a:t>Espaçamento de texto</a:t>
+            </a:r>
+          </a:p>
+          <a:p>
+            <a:pPr lvl="1">
+              <a:buFont typeface="Arial" panose="020B0604020202020204" pitchFamily="34" charset="0"/>
+              <a:buChar char="•"/>
+            </a:pPr>
+            <a:r>
+              <a:rPr lang="pt-PT" dirty="0"/>
+              <a:t>Alternativas:</a:t>
+            </a:r>
+          </a:p>
+          <a:p>
+            <a:pPr lvl="2">
+              <a:buFont typeface="Arial" panose="020B0604020202020204" pitchFamily="34" charset="0"/>
+              <a:buChar char="•"/>
+            </a:pPr>
+            <a:r>
+              <a:rPr lang="pt-PT" dirty="0"/>
+              <a:t>Apenas utilizar espaços vazios e heurísticas para estima da estrutura</a:t>
+            </a:r>
+          </a:p>
+          <a:p>
+            <a:pPr>
+              <a:buFont typeface="Arial" panose="020B0604020202020204" pitchFamily="34" charset="0"/>
+              <a:buChar char="•"/>
+            </a:pPr>
+            <a:r>
+              <a:rPr lang="pt-PT" dirty="0"/>
+              <a:t>Ordem de leitura</a:t>
+            </a:r>
+          </a:p>
+          <a:p>
+            <a:pPr lvl="1">
+              <a:buFont typeface="Arial" panose="020B0604020202020204" pitchFamily="34" charset="0"/>
+              <a:buChar char="•"/>
+            </a:pPr>
+            <a:r>
+              <a:rPr lang="pt-PT" dirty="0"/>
+              <a:t>Heurísticas de ordenação (dificuldades devido a imprecisão de </a:t>
+            </a:r>
+            <a:r>
+              <a:rPr lang="pt-PT" dirty="0" err="1"/>
+              <a:t>bounding</a:t>
+            </a:r>
+            <a:r>
+              <a:rPr lang="pt-PT" dirty="0"/>
+              <a:t> boxes, podendo ser </a:t>
+            </a:r>
+            <a:r>
+              <a:rPr lang="pt-PT" dirty="0" err="1"/>
+              <a:t>naive</a:t>
+            </a:r>
+            <a:r>
+              <a:rPr lang="pt-PT" dirty="0"/>
+              <a:t>)</a:t>
+            </a:r>
+          </a:p>
+          <a:p>
+            <a:pPr lvl="2">
+              <a:buFont typeface="Arial" panose="020B0604020202020204" pitchFamily="34" charset="0"/>
+              <a:buChar char="•"/>
+            </a:pPr>
+            <a:r>
+              <a:rPr lang="pt-PT" dirty="0"/>
+              <a:t>Posição de blocos</a:t>
+            </a:r>
+          </a:p>
+          <a:p>
+            <a:pPr lvl="2">
+              <a:buFont typeface="Arial" panose="020B0604020202020204" pitchFamily="34" charset="0"/>
+              <a:buChar char="•"/>
+            </a:pPr>
+            <a:r>
+              <a:rPr lang="pt-PT" dirty="0"/>
+              <a:t>Grafos</a:t>
+            </a:r>
+          </a:p>
+          <a:p>
+            <a:pPr lvl="1">
+              <a:buFont typeface="Arial" panose="020B0604020202020204" pitchFamily="34" charset="0"/>
+              <a:buChar char="•"/>
+            </a:pPr>
+            <a:r>
+              <a:rPr lang="pt-PT" dirty="0" err="1"/>
+              <a:t>Machine</a:t>
+            </a:r>
+            <a:r>
+              <a:rPr lang="pt-PT" dirty="0"/>
+              <a:t> </a:t>
+            </a:r>
+            <a:r>
+              <a:rPr lang="pt-PT" dirty="0" err="1"/>
+              <a:t>learning</a:t>
+            </a:r>
+            <a:r>
+              <a:rPr lang="pt-PT" dirty="0"/>
+              <a:t> (resultados)</a:t>
+            </a:r>
+          </a:p>
+          <a:p>
+            <a:pPr lvl="1">
+              <a:buFont typeface="Arial" panose="020B0604020202020204" pitchFamily="34" charset="0"/>
+              <a:buChar char="•"/>
+            </a:pPr>
+            <a:r>
+              <a:rPr lang="pt-PT" dirty="0"/>
+              <a:t>Alternativas:</a:t>
+            </a:r>
+          </a:p>
+          <a:p>
+            <a:pPr lvl="2">
+              <a:buFont typeface="Arial" panose="020B0604020202020204" pitchFamily="34" charset="0"/>
+              <a:buChar char="•"/>
+            </a:pPr>
+            <a:r>
+              <a:rPr lang="pt-PT" dirty="0"/>
+              <a:t>Segmentação de artigos seguido de ordenação com heurística</a:t>
             </a:r>
           </a:p>
         </p:txBody>
@@ -4329,7 +4540,7 @@
           <a:p>
             <a:r>
               <a:rPr lang="pt-PT" dirty="0"/>
-              <a:t>Trabalho realizado</a:t>
+              <a:t>Trabalho prático realizado</a:t>
             </a:r>
           </a:p>
         </p:txBody>
@@ -4355,7 +4566,142 @@
           <a:bodyPr/>
           <a:lstStyle/>
           <a:p>
-            <a:endParaRPr lang="pt-PT"/>
+            <a:pPr>
+              <a:buFont typeface="Arial" panose="020B0604020202020204" pitchFamily="34" charset="0"/>
+              <a:buChar char="•"/>
+            </a:pPr>
+            <a:r>
+              <a:rPr lang="pt-PT" dirty="0"/>
+              <a:t>Classe de dados no estilo de árvore para generalizar resultados dos </a:t>
+            </a:r>
+            <a:r>
+              <a:rPr lang="pt-PT" dirty="0" err="1"/>
+              <a:t>engine</a:t>
+            </a:r>
+            <a:r>
+              <a:rPr lang="pt-PT" dirty="0"/>
+              <a:t> OCR</a:t>
+            </a:r>
+          </a:p>
+          <a:p>
+            <a:pPr lvl="1">
+              <a:buFont typeface="Arial" panose="020B0604020202020204" pitchFamily="34" charset="0"/>
+              <a:buChar char="•"/>
+            </a:pPr>
+            <a:r>
+              <a:rPr lang="pt-PT" dirty="0"/>
+              <a:t>OCR_BOX</a:t>
+            </a:r>
+            <a:endParaRPr lang="en-US" dirty="0"/>
+          </a:p>
+          <a:p>
+            <a:pPr>
+              <a:buFont typeface="Arial" panose="020B0604020202020204" pitchFamily="34" charset="0"/>
+              <a:buChar char="•"/>
+            </a:pPr>
+            <a:r>
+              <a:rPr lang="en-US" dirty="0" err="1"/>
+              <a:t>Classe</a:t>
+            </a:r>
+            <a:r>
+              <a:rPr lang="en-US" dirty="0"/>
+              <a:t> e m</a:t>
+            </a:r>
+            <a:r>
+              <a:rPr lang="pt-PT" dirty="0" err="1"/>
+              <a:t>étodos</a:t>
+            </a:r>
+            <a:r>
+              <a:rPr lang="pt-PT" dirty="0"/>
+              <a:t> para tratamento de </a:t>
+            </a:r>
+            <a:r>
+              <a:rPr lang="pt-PT" dirty="0" err="1"/>
+              <a:t>bounding</a:t>
+            </a:r>
+            <a:r>
+              <a:rPr lang="pt-PT" dirty="0"/>
+              <a:t> boxes</a:t>
+            </a:r>
+          </a:p>
+          <a:p>
+            <a:pPr lvl="1">
+              <a:buFont typeface="Arial" panose="020B0604020202020204" pitchFamily="34" charset="0"/>
+              <a:buChar char="•"/>
+            </a:pPr>
+            <a:r>
+              <a:rPr lang="pt-PT" dirty="0"/>
+              <a:t>BOX</a:t>
+            </a:r>
+          </a:p>
+          <a:p>
+            <a:pPr>
+              <a:buFont typeface="Arial" panose="020B0604020202020204" pitchFamily="34" charset="0"/>
+              <a:buChar char="•"/>
+            </a:pPr>
+            <a:r>
+              <a:rPr lang="pt-PT" dirty="0"/>
+              <a:t>Gui simples</a:t>
+            </a:r>
+          </a:p>
+          <a:p>
+            <a:pPr lvl="1">
+              <a:buFont typeface="Arial" panose="020B0604020202020204" pitchFamily="34" charset="0"/>
+              <a:buChar char="•"/>
+            </a:pPr>
+            <a:r>
+              <a:rPr lang="pt-PT" dirty="0"/>
+              <a:t>visualização dos blocos de texto detetados e as transformações neles realizados</a:t>
+            </a:r>
+          </a:p>
+          <a:p>
+            <a:pPr lvl="1">
+              <a:buFont typeface="Arial" panose="020B0604020202020204" pitchFamily="34" charset="0"/>
+              <a:buChar char="•"/>
+            </a:pPr>
+            <a:r>
+              <a:rPr lang="pt-PT" dirty="0"/>
+              <a:t>Execução de diferentes funcionalidades</a:t>
+            </a:r>
+          </a:p>
+          <a:p>
+            <a:pPr lvl="2">
+              <a:buFont typeface="Arial" panose="020B0604020202020204" pitchFamily="34" charset="0"/>
+              <a:buChar char="•"/>
+            </a:pPr>
+            <a:r>
+              <a:rPr lang="pt-PT" dirty="0"/>
+              <a:t>Limpeza de blocos</a:t>
+            </a:r>
+          </a:p>
+          <a:p>
+            <a:pPr lvl="2">
+              <a:buFont typeface="Arial" panose="020B0604020202020204" pitchFamily="34" charset="0"/>
+              <a:buChar char="•"/>
+            </a:pPr>
+            <a:r>
+              <a:rPr lang="pt-PT" dirty="0"/>
+              <a:t>Cálculo simplificado da estrutura de um jornal</a:t>
+            </a:r>
+          </a:p>
+          <a:p>
+            <a:pPr lvl="2">
+              <a:buFont typeface="Arial" panose="020B0604020202020204" pitchFamily="34" charset="0"/>
+              <a:buChar char="•"/>
+            </a:pPr>
+            <a:r>
+              <a:rPr lang="pt-PT" dirty="0"/>
+              <a:t>Ordenação </a:t>
+            </a:r>
+            <a:r>
+              <a:rPr lang="en-US" dirty="0"/>
+              <a:t>`naive` de </a:t>
+            </a:r>
+            <a:r>
+              <a:rPr lang="en-US" dirty="0" err="1"/>
+              <a:t>leitura</a:t>
+            </a:r>
+            <a:endParaRPr lang="pt-PT" dirty="0"/>
           </a:p>
         </p:txBody>
       </p:sp>
